--- a/Porfolio personal.pptx
+++ b/Porfolio personal.pptx
@@ -22,9 +22,14 @@
       <p:regular r:id="rId8"/>
     </p:embeddedFont>
     <p:embeddedFont>
-      <p:font typeface="Montserrat Black" panose="00000A00000000000000" pitchFamily="2" charset="0"/>
+      <p:font typeface="Montserrat" panose="00000500000000000000" pitchFamily="2" charset="0"/>
       <p:regular r:id="rId9"/>
       <p:bold r:id="rId10"/>
+    </p:embeddedFont>
+    <p:embeddedFont>
+      <p:font typeface="Montserrat Black" panose="00000A00000000000000" pitchFamily="2" charset="0"/>
+      <p:regular r:id="rId11"/>
+      <p:bold r:id="rId12"/>
     </p:embeddedFont>
   </p:embeddedFontLst>
   <p:defaultTextStyle>
@@ -130,21 +135,107 @@
 </p:presentation>
 </file>
 
+<file path=ppt/revisionInfo.xml><?xml version="1.0" encoding="utf-8"?>
+<p1510:revInfo xmlns:a="http://schemas.openxmlformats.org/drawingml/2006/main" xmlns:r="http://schemas.openxmlformats.org/officeDocument/2006/relationships" xmlns:p1510="http://schemas.microsoft.com/office/powerpoint/2015/10/main">
+  <p1510:revLst>
+    <p1510:client id="{C7385390-FE11-45A4-AEEC-B10975D2F799}" v="9" dt="2025-11-20T01:03:17.263"/>
+  </p1510:revLst>
+</p1510:revInfo>
+</file>
+
 <file path=ppt/changesInfos/changesInfo1.xml><?xml version="1.0" encoding="utf-8"?>
 <pc:chgInfo xmlns:a="http://schemas.openxmlformats.org/drawingml/2006/main" xmlns:r="http://schemas.openxmlformats.org/officeDocument/2006/relationships" xmlns:ac="http://schemas.microsoft.com/office/drawing/2013/main/command" xmlns:pc="http://schemas.microsoft.com/office/powerpoint/2013/main/command">
   <pc:docChgLst>
     <pc:chgData name="Stefania Jimenez" userId="526850ada1ea9c31" providerId="LiveId" clId="{2CF33320-2C76-4577-9D52-B9A057183CFD}"/>
-    <pc:docChg chg="modSld">
-      <pc:chgData name="Stefania Jimenez" userId="526850ada1ea9c31" providerId="LiveId" clId="{2CF33320-2C76-4577-9D52-B9A057183CFD}" dt="2025-11-19T17:48:44.459" v="3" actId="1076"/>
+    <pc:docChg chg="custSel modSld">
+      <pc:chgData name="Stefania Jimenez" userId="526850ada1ea9c31" providerId="LiveId" clId="{2CF33320-2C76-4577-9D52-B9A057183CFD}" dt="2025-11-20T01:04:03.022" v="114" actId="255"/>
       <pc:docMkLst>
         <pc:docMk/>
       </pc:docMkLst>
       <pc:sldChg chg="modSp mod">
-        <pc:chgData name="Stefania Jimenez" userId="526850ada1ea9c31" providerId="LiveId" clId="{2CF33320-2C76-4577-9D52-B9A057183CFD}" dt="2025-11-19T17:48:04.278" v="0" actId="20577"/>
+        <pc:chgData name="Stefania Jimenez" userId="526850ada1ea9c31" providerId="LiveId" clId="{2CF33320-2C76-4577-9D52-B9A057183CFD}" dt="2025-11-20T01:04:03.022" v="114" actId="255"/>
+        <pc:sldMkLst>
+          <pc:docMk/>
+          <pc:sldMk cId="0" sldId="256"/>
+        </pc:sldMkLst>
+        <pc:spChg chg="mod">
+          <ac:chgData name="Stefania Jimenez" userId="526850ada1ea9c31" providerId="LiveId" clId="{2CF33320-2C76-4577-9D52-B9A057183CFD}" dt="2025-11-20T01:03:43.786" v="112" actId="255"/>
+          <ac:spMkLst>
+            <pc:docMk/>
+            <pc:sldMk cId="0" sldId="256"/>
+            <ac:spMk id="5" creationId="{00000000-0000-0000-0000-000000000000}"/>
+          </ac:spMkLst>
+        </pc:spChg>
+        <pc:spChg chg="mod">
+          <ac:chgData name="Stefania Jimenez" userId="526850ada1ea9c31" providerId="LiveId" clId="{2CF33320-2C76-4577-9D52-B9A057183CFD}" dt="2025-11-20T01:03:56.905" v="113" actId="255"/>
+          <ac:spMkLst>
+            <pc:docMk/>
+            <pc:sldMk cId="0" sldId="256"/>
+            <ac:spMk id="6" creationId="{00000000-0000-0000-0000-000000000000}"/>
+          </ac:spMkLst>
+        </pc:spChg>
+        <pc:spChg chg="mod">
+          <ac:chgData name="Stefania Jimenez" userId="526850ada1ea9c31" providerId="LiveId" clId="{2CF33320-2C76-4577-9D52-B9A057183CFD}" dt="2025-11-20T01:04:03.022" v="114" actId="255"/>
+          <ac:spMkLst>
+            <pc:docMk/>
+            <pc:sldMk cId="0" sldId="256"/>
+            <ac:spMk id="7" creationId="{00000000-0000-0000-0000-000000000000}"/>
+          </ac:spMkLst>
+        </pc:spChg>
+      </pc:sldChg>
+      <pc:sldChg chg="addSp delSp modSp mod">
+        <pc:chgData name="Stefania Jimenez" userId="526850ada1ea9c31" providerId="LiveId" clId="{2CF33320-2C76-4577-9D52-B9A057183CFD}" dt="2025-11-20T01:01:05.616" v="104" actId="1076"/>
+        <pc:sldMkLst>
+          <pc:docMk/>
+          <pc:sldMk cId="0" sldId="257"/>
+        </pc:sldMkLst>
+        <pc:picChg chg="del">
+          <ac:chgData name="Stefania Jimenez" userId="526850ada1ea9c31" providerId="LiveId" clId="{2CF33320-2C76-4577-9D52-B9A057183CFD}" dt="2025-11-20T00:57:59.042" v="79" actId="478"/>
+          <ac:picMkLst>
+            <pc:docMk/>
+            <pc:sldMk cId="0" sldId="257"/>
+            <ac:picMk id="8" creationId="{11410C9B-5B92-206A-095B-050B965F36EE}"/>
+          </ac:picMkLst>
+        </pc:picChg>
+        <pc:picChg chg="add del mod">
+          <ac:chgData name="Stefania Jimenez" userId="526850ada1ea9c31" providerId="LiveId" clId="{2CF33320-2C76-4577-9D52-B9A057183CFD}" dt="2025-11-20T00:58:21.181" v="85" actId="478"/>
+          <ac:picMkLst>
+            <pc:docMk/>
+            <pc:sldMk cId="0" sldId="257"/>
+            <ac:picMk id="10" creationId="{045757CB-5C62-2A36-BB24-5D6A530F728F}"/>
+          </ac:picMkLst>
+        </pc:picChg>
+        <pc:picChg chg="add mod">
+          <ac:chgData name="Stefania Jimenez" userId="526850ada1ea9c31" providerId="LiveId" clId="{2CF33320-2C76-4577-9D52-B9A057183CFD}" dt="2025-11-20T01:01:05.616" v="104" actId="1076"/>
+          <ac:picMkLst>
+            <pc:docMk/>
+            <pc:sldMk cId="0" sldId="257"/>
+            <ac:picMk id="14" creationId="{A984ED7B-9A79-B390-B54F-6D07D0B62B41}"/>
+          </ac:picMkLst>
+        </pc:picChg>
+        <pc:picChg chg="add del mod">
+          <ac:chgData name="Stefania Jimenez" userId="526850ada1ea9c31" providerId="LiveId" clId="{2CF33320-2C76-4577-9D52-B9A057183CFD}" dt="2025-11-20T00:59:56.383" v="96" actId="478"/>
+          <ac:picMkLst>
+            <pc:docMk/>
+            <pc:sldMk cId="0" sldId="257"/>
+            <ac:picMk id="17" creationId="{51AABAE3-ECB3-B3F9-A216-994F99B4F810}"/>
+          </ac:picMkLst>
+        </pc:picChg>
+      </pc:sldChg>
+      <pc:sldChg chg="addSp delSp modSp mod">
+        <pc:chgData name="Stefania Jimenez" userId="526850ada1ea9c31" providerId="LiveId" clId="{2CF33320-2C76-4577-9D52-B9A057183CFD}" dt="2025-11-20T01:03:13.527" v="108" actId="1076"/>
         <pc:sldMkLst>
           <pc:docMk/>
           <pc:sldMk cId="0" sldId="259"/>
         </pc:sldMkLst>
+        <pc:spChg chg="add del mod">
+          <ac:chgData name="Stefania Jimenez" userId="526850ada1ea9c31" providerId="LiveId" clId="{2CF33320-2C76-4577-9D52-B9A057183CFD}" dt="2025-11-20T00:56:25.241" v="76" actId="478"/>
+          <ac:spMkLst>
+            <pc:docMk/>
+            <pc:sldMk cId="0" sldId="259"/>
+            <ac:spMk id="2" creationId="{36A07D52-ED1D-0338-4263-CA960E82EA4C}"/>
+          </ac:spMkLst>
+        </pc:spChg>
         <pc:spChg chg="mod">
           <ac:chgData name="Stefania Jimenez" userId="526850ada1ea9c31" providerId="LiveId" clId="{2CF33320-2C76-4577-9D52-B9A057183CFD}" dt="2025-11-19T17:48:04.278" v="0" actId="20577"/>
           <ac:spMkLst>
@@ -153,13 +244,85 @@
             <ac:spMk id="4" creationId="{00000000-0000-0000-0000-000000000000}"/>
           </ac:spMkLst>
         </pc:spChg>
+        <pc:spChg chg="mod">
+          <ac:chgData name="Stefania Jimenez" userId="526850ada1ea9c31" providerId="LiveId" clId="{2CF33320-2C76-4577-9D52-B9A057183CFD}" dt="2025-11-20T00:55:28.622" v="20" actId="20577"/>
+          <ac:spMkLst>
+            <pc:docMk/>
+            <pc:sldMk cId="0" sldId="259"/>
+            <ac:spMk id="5" creationId="{00000000-0000-0000-0000-000000000000}"/>
+          </ac:spMkLst>
+        </pc:spChg>
+        <pc:spChg chg="mod">
+          <ac:chgData name="Stefania Jimenez" userId="526850ada1ea9c31" providerId="LiveId" clId="{2CF33320-2C76-4577-9D52-B9A057183CFD}" dt="2025-11-20T00:55:59.833" v="75" actId="20577"/>
+          <ac:spMkLst>
+            <pc:docMk/>
+            <pc:sldMk cId="0" sldId="259"/>
+            <ac:spMk id="6" creationId="{00000000-0000-0000-0000-000000000000}"/>
+          </ac:spMkLst>
+        </pc:spChg>
+        <pc:spChg chg="mod">
+          <ac:chgData name="Stefania Jimenez" userId="526850ada1ea9c31" providerId="LiveId" clId="{2CF33320-2C76-4577-9D52-B9A057183CFD}" dt="2025-11-20T01:03:07.220" v="106" actId="1076"/>
+          <ac:spMkLst>
+            <pc:docMk/>
+            <pc:sldMk cId="0" sldId="259"/>
+            <ac:spMk id="7" creationId="{00000000-0000-0000-0000-000000000000}"/>
+          </ac:spMkLst>
+        </pc:spChg>
+        <pc:spChg chg="mod">
+          <ac:chgData name="Stefania Jimenez" userId="526850ada1ea9c31" providerId="LiveId" clId="{2CF33320-2C76-4577-9D52-B9A057183CFD}" dt="2025-11-20T01:03:10.532" v="107" actId="1076"/>
+          <ac:spMkLst>
+            <pc:docMk/>
+            <pc:sldMk cId="0" sldId="259"/>
+            <ac:spMk id="8" creationId="{00000000-0000-0000-0000-000000000000}"/>
+          </ac:spMkLst>
+        </pc:spChg>
+        <pc:spChg chg="mod">
+          <ac:chgData name="Stefania Jimenez" userId="526850ada1ea9c31" providerId="LiveId" clId="{2CF33320-2C76-4577-9D52-B9A057183CFD}" dt="2025-11-20T01:03:13.527" v="108" actId="1076"/>
+          <ac:spMkLst>
+            <pc:docMk/>
+            <pc:sldMk cId="0" sldId="259"/>
+            <ac:spMk id="9" creationId="{00000000-0000-0000-0000-000000000000}"/>
+          </ac:spMkLst>
+        </pc:spChg>
+        <pc:spChg chg="del mod">
+          <ac:chgData name="Stefania Jimenez" userId="526850ada1ea9c31" providerId="LiveId" clId="{2CF33320-2C76-4577-9D52-B9A057183CFD}" dt="2025-11-20T00:53:12.357" v="7" actId="478"/>
+          <ac:spMkLst>
+            <pc:docMk/>
+            <pc:sldMk cId="0" sldId="259"/>
+            <ac:spMk id="10" creationId="{00000000-0000-0000-0000-000000000000}"/>
+          </ac:spMkLst>
+        </pc:spChg>
+        <pc:spChg chg="add del mod">
+          <ac:chgData name="Stefania Jimenez" userId="526850ada1ea9c31" providerId="LiveId" clId="{2CF33320-2C76-4577-9D52-B9A057183CFD}" dt="2025-11-20T00:54:20.673" v="17" actId="478"/>
+          <ac:spMkLst>
+            <pc:docMk/>
+            <pc:sldMk cId="0" sldId="259"/>
+            <ac:spMk id="14" creationId="{088CAC93-A152-FFF4-CCFE-17583CE0A080}"/>
+          </ac:spMkLst>
+        </pc:spChg>
+        <pc:spChg chg="mod">
+          <ac:chgData name="Stefania Jimenez" userId="526850ada1ea9c31" providerId="LiveId" clId="{2CF33320-2C76-4577-9D52-B9A057183CFD}" dt="2025-11-20T00:54:17.366" v="16"/>
+          <ac:spMkLst>
+            <pc:docMk/>
+            <pc:sldMk cId="0" sldId="259"/>
+            <ac:spMk id="18" creationId="{00000000-0000-0000-0000-000000000000}"/>
+          </ac:spMkLst>
+        </pc:spChg>
       </pc:sldChg>
-      <pc:sldChg chg="modSp mod">
-        <pc:chgData name="Stefania Jimenez" userId="526850ada1ea9c31" providerId="LiveId" clId="{2CF33320-2C76-4577-9D52-B9A057183CFD}" dt="2025-11-19T17:48:44.459" v="3" actId="1076"/>
+      <pc:sldChg chg="addSp delSp modSp mod">
+        <pc:chgData name="Stefania Jimenez" userId="526850ada1ea9c31" providerId="LiveId" clId="{2CF33320-2C76-4577-9D52-B9A057183CFD}" dt="2025-11-20T01:03:26.794" v="111" actId="1440"/>
         <pc:sldMkLst>
           <pc:docMk/>
           <pc:sldMk cId="0" sldId="260"/>
         </pc:sldMkLst>
+        <pc:spChg chg="add mod">
+          <ac:chgData name="Stefania Jimenez" userId="526850ada1ea9c31" providerId="LiveId" clId="{2CF33320-2C76-4577-9D52-B9A057183CFD}" dt="2025-11-20T00:56:32.144" v="78" actId="1076"/>
+          <ac:spMkLst>
+            <pc:docMk/>
+            <pc:sldMk cId="0" sldId="260"/>
+            <ac:spMk id="2" creationId="{4D732393-499D-2147-3F36-A03B6EA3D6D2}"/>
+          </ac:spMkLst>
+        </pc:spChg>
         <pc:spChg chg="mod">
           <ac:chgData name="Stefania Jimenez" userId="526850ada1ea9c31" providerId="LiveId" clId="{2CF33320-2C76-4577-9D52-B9A057183CFD}" dt="2025-11-19T17:48:40.098" v="2" actId="20577"/>
           <ac:spMkLst>
@@ -176,6 +339,22 @@
             <ac:spMk id="6" creationId="{00000000-0000-0000-0000-000000000000}"/>
           </ac:spMkLst>
         </pc:spChg>
+        <pc:picChg chg="add del mod">
+          <ac:chgData name="Stefania Jimenez" userId="526850ada1ea9c31" providerId="LiveId" clId="{2CF33320-2C76-4577-9D52-B9A057183CFD}" dt="2025-11-20T01:03:00.179" v="105" actId="478"/>
+          <ac:picMkLst>
+            <pc:docMk/>
+            <pc:sldMk cId="0" sldId="260"/>
+            <ac:picMk id="8" creationId="{EBEB2A97-CA62-034B-168C-BA99BB3E29F1}"/>
+          </ac:picMkLst>
+        </pc:picChg>
+        <pc:picChg chg="add mod">
+          <ac:chgData name="Stefania Jimenez" userId="526850ada1ea9c31" providerId="LiveId" clId="{2CF33320-2C76-4577-9D52-B9A057183CFD}" dt="2025-11-20T01:03:26.794" v="111" actId="1440"/>
+          <ac:picMkLst>
+            <pc:docMk/>
+            <pc:sldMk cId="0" sldId="260"/>
+            <ac:picMk id="9" creationId="{1404CC0E-30E2-DE4E-1C52-FE7E6F76DF27}"/>
+          </ac:picMkLst>
+        </pc:picChg>
       </pc:sldChg>
     </pc:docChg>
   </pc:docChgLst>
@@ -1554,7 +1733,7 @@
               <a:buNone/>
             </a:pPr>
             <a:r>
-              <a:rPr lang="en-US" sz="1400" dirty="0">
+              <a:rPr lang="en-US" sz="2400" dirty="0">
                 <a:solidFill>
                   <a:srgbClr val="151617"/>
                 </a:solidFill>
@@ -1564,7 +1743,7 @@
               </a:rPr>
               <a:t>Stefania Jimenez</a:t>
             </a:r>
-            <a:endParaRPr lang="en-US" sz="1400" dirty="0"/>
+            <a:endParaRPr lang="en-US" sz="2400" dirty="0"/>
           </a:p>
         </p:txBody>
       </p:sp>
@@ -1596,7 +1775,7 @@
               <a:buNone/>
             </a:pPr>
             <a:r>
-              <a:rPr lang="en-US" sz="1400" dirty="0">
+              <a:rPr lang="en-US" sz="1600" dirty="0">
                 <a:solidFill>
                   <a:srgbClr val="151617"/>
                 </a:solidFill>
@@ -1606,7 +1785,7 @@
               </a:rPr>
               <a:t>IFTS 24 - Tecnicatura Superior en Ciencias de Datos e IA</a:t>
             </a:r>
-            <a:endParaRPr lang="en-US" sz="1400" dirty="0"/>
+            <a:endParaRPr lang="en-US" sz="1600" dirty="0"/>
           </a:p>
         </p:txBody>
       </p:sp>
@@ -1638,7 +1817,7 @@
               <a:buNone/>
             </a:pPr>
             <a:r>
-              <a:rPr lang="en-US" sz="1400" dirty="0">
+              <a:rPr lang="en-US" sz="1600" dirty="0">
                 <a:solidFill>
                   <a:srgbClr val="151617"/>
                 </a:solidFill>
@@ -1648,7 +1827,7 @@
               </a:rPr>
               <a:t>Docente: Prof. Matías Barreto</a:t>
             </a:r>
-            <a:endParaRPr lang="en-US" sz="1400" dirty="0"/>
+            <a:endParaRPr lang="en-US" sz="1600" dirty="0"/>
           </a:p>
         </p:txBody>
       </p:sp>
@@ -2094,10 +2273,10 @@
       </p:sp>
       <p:pic>
         <p:nvPicPr>
-          <p:cNvPr id="8" name="Imagen 7">
+          <p:cNvPr id="14" name="Imagen 13">
             <a:extLst>
               <a:ext uri="{FF2B5EF4-FFF2-40B4-BE49-F238E27FC236}">
-                <a16:creationId xmlns:a16="http://schemas.microsoft.com/office/drawing/2014/main" id="{11410C9B-5B92-206A-095B-050B965F36EE}"/>
+                <a16:creationId xmlns:a16="http://schemas.microsoft.com/office/drawing/2014/main" id="{A984ED7B-9A79-B390-B54F-6D07D0B62B41}"/>
               </a:ext>
             </a:extLst>
           </p:cNvPr>
@@ -2114,12 +2293,25 @@
         </p:blipFill>
         <p:spPr>
           <a:xfrm>
-            <a:off x="-1" y="-1"/>
-            <a:ext cx="5418667" cy="8195313"/>
-          </a:xfrm>
-          <a:prstGeom prst="rect">
-            <a:avLst/>
-          </a:prstGeom>
+            <a:off x="0" y="2088832"/>
+            <a:ext cx="5977007" cy="3891413"/>
+          </a:xfrm>
+          <a:prstGeom prst="roundRect">
+            <a:avLst>
+              <a:gd name="adj" fmla="val 8594"/>
+            </a:avLst>
+          </a:prstGeom>
+          <a:solidFill>
+            <a:srgbClr val="FFFFFF">
+              <a:shade val="85000"/>
+            </a:srgbClr>
+          </a:solidFill>
+          <a:ln>
+            <a:noFill/>
+          </a:ln>
+          <a:effectLst>
+            <a:reflection blurRad="12700" stA="38000" endPos="28000" dist="5000" dir="5400000" sy="-100000" algn="bl" rotWithShape="0"/>
+          </a:effectLst>
         </p:spPr>
       </p:pic>
     </p:spTree>
@@ -3426,7 +3618,51 @@
                 <a:ea typeface="Inconsolata" pitchFamily="34" charset="-122"/>
                 <a:cs typeface="Inconsolata" pitchFamily="34" charset="-120"/>
               </a:rPr>
-              <a:t>Problema: Explorar y resumir grandes volúmenes de opiniones de clientes o usuarios.</a:t>
+              <a:t>Problema: </a:t>
+            </a:r>
+            <a:r>
+              <a:rPr lang="en-US" sz="1150" dirty="0" err="1">
+                <a:solidFill>
+                  <a:srgbClr val="151617"/>
+                </a:solidFill>
+                <a:latin typeface="Inconsolata" pitchFamily="34" charset="0"/>
+                <a:ea typeface="Inconsolata" pitchFamily="34" charset="-122"/>
+                <a:cs typeface="Inconsolata" pitchFamily="34" charset="-120"/>
+              </a:rPr>
+              <a:t>Explorar</a:t>
+            </a:r>
+            <a:r>
+              <a:rPr lang="en-US" sz="1150" dirty="0">
+                <a:solidFill>
+                  <a:srgbClr val="151617"/>
+                </a:solidFill>
+                <a:latin typeface="Inconsolata" pitchFamily="34" charset="0"/>
+                <a:ea typeface="Inconsolata" pitchFamily="34" charset="-122"/>
+                <a:cs typeface="Inconsolata" pitchFamily="34" charset="-120"/>
+              </a:rPr>
+              <a:t> </a:t>
+            </a:r>
+            <a:r>
+              <a:rPr lang="en-US" sz="1150" dirty="0" err="1">
+                <a:solidFill>
+                  <a:srgbClr val="151617"/>
+                </a:solidFill>
+                <a:latin typeface="Inconsolata" pitchFamily="34" charset="0"/>
+                <a:ea typeface="Inconsolata" pitchFamily="34" charset="-122"/>
+                <a:cs typeface="Inconsolata" pitchFamily="34" charset="-120"/>
+              </a:rPr>
+              <a:t>grandes</a:t>
+            </a:r>
+            <a:r>
+              <a:rPr lang="en-US" sz="1150" dirty="0">
+                <a:solidFill>
+                  <a:srgbClr val="151617"/>
+                </a:solidFill>
+                <a:latin typeface="Inconsolata" pitchFamily="34" charset="0"/>
+                <a:ea typeface="Inconsolata" pitchFamily="34" charset="-122"/>
+                <a:cs typeface="Inconsolata" pitchFamily="34" charset="-120"/>
+              </a:rPr>
+              <a:t> volúmenes de opiniones de clientes o usuarios.</a:t>
             </a:r>
             <a:endParaRPr lang="en-US" sz="1150" dirty="0"/>
           </a:p>
@@ -3468,7 +3704,73 @@
                 <a:ea typeface="Inconsolata" pitchFamily="34" charset="-122"/>
                 <a:cs typeface="Inconsolata" pitchFamily="34" charset="-120"/>
               </a:rPr>
-              <a:t>Solución: Un sistema RAG (Retrieval Augmented Generation) potenciado con Flan-T5 para generar respuestas contextualizadas y citadas, complementado con modelos de Machine Learning y Transformers para una clasificación automática y eficiente del sentimiento expresado en las reseñas.</a:t>
+              <a:t>Solución: Un sistema RAG (Retrieval Augmented Generation) potenciado con Flan-T5 para generar respuestas contextualizadas y citadas, </a:t>
+            </a:r>
+            <a:r>
+              <a:rPr lang="en-US" sz="1150" dirty="0" err="1">
+                <a:solidFill>
+                  <a:srgbClr val="151617"/>
+                </a:solidFill>
+                <a:latin typeface="Inconsolata" pitchFamily="34" charset="0"/>
+                <a:ea typeface="Inconsolata" pitchFamily="34" charset="-122"/>
+                <a:cs typeface="Inconsolata" pitchFamily="34" charset="-120"/>
+              </a:rPr>
+              <a:t>complementado</a:t>
+            </a:r>
+            <a:r>
+              <a:rPr lang="en-US" sz="1150" dirty="0">
+                <a:solidFill>
+                  <a:srgbClr val="151617"/>
+                </a:solidFill>
+                <a:latin typeface="Inconsolata" pitchFamily="34" charset="0"/>
+                <a:ea typeface="Inconsolata" pitchFamily="34" charset="-122"/>
+                <a:cs typeface="Inconsolata" pitchFamily="34" charset="-120"/>
+              </a:rPr>
+              <a:t> para </a:t>
+            </a:r>
+            <a:r>
+              <a:rPr lang="en-US" sz="1150" dirty="0" err="1">
+                <a:solidFill>
+                  <a:srgbClr val="151617"/>
+                </a:solidFill>
+                <a:latin typeface="Inconsolata" pitchFamily="34" charset="0"/>
+                <a:ea typeface="Inconsolata" pitchFamily="34" charset="-122"/>
+                <a:cs typeface="Inconsolata" pitchFamily="34" charset="-120"/>
+              </a:rPr>
+              <a:t>obtener</a:t>
+            </a:r>
+            <a:r>
+              <a:rPr lang="en-US" sz="1150" dirty="0">
+                <a:solidFill>
+                  <a:srgbClr val="151617"/>
+                </a:solidFill>
+                <a:latin typeface="Inconsolata" pitchFamily="34" charset="0"/>
+                <a:ea typeface="Inconsolata" pitchFamily="34" charset="-122"/>
+                <a:cs typeface="Inconsolata" pitchFamily="34" charset="-120"/>
+              </a:rPr>
+              <a:t> </a:t>
+            </a:r>
+            <a:r>
+              <a:rPr lang="en-US" sz="1150" dirty="0" err="1">
+                <a:solidFill>
+                  <a:srgbClr val="151617"/>
+                </a:solidFill>
+                <a:latin typeface="Inconsolata" pitchFamily="34" charset="0"/>
+                <a:ea typeface="Inconsolata" pitchFamily="34" charset="-122"/>
+                <a:cs typeface="Inconsolata" pitchFamily="34" charset="-120"/>
+              </a:rPr>
+              <a:t>respuestas</a:t>
+            </a:r>
+            <a:r>
+              <a:rPr lang="en-US" sz="1150" dirty="0">
+                <a:solidFill>
+                  <a:srgbClr val="151617"/>
+                </a:solidFill>
+                <a:latin typeface="Inconsolata" pitchFamily="34" charset="0"/>
+                <a:ea typeface="Inconsolata" pitchFamily="34" charset="-122"/>
+                <a:cs typeface="Inconsolata" pitchFamily="34" charset="-120"/>
+              </a:rPr>
+              <a:t> a traves del Chatbot.</a:t>
             </a:r>
             <a:endParaRPr lang="en-US" sz="1150" dirty="0"/>
           </a:p>
@@ -3482,7 +3784,7 @@
         </p:nvSpPr>
         <p:spPr>
           <a:xfrm>
-            <a:off x="6000393" y="4244578"/>
+            <a:off x="6000393" y="3821482"/>
             <a:ext cx="3878937" cy="940118"/>
           </a:xfrm>
           <a:prstGeom prst="rect">
@@ -3524,7 +3826,7 @@
         </p:nvSpPr>
         <p:spPr>
           <a:xfrm>
-            <a:off x="6000393" y="5316855"/>
+            <a:off x="6000393" y="5034861"/>
             <a:ext cx="3878937" cy="470059"/>
           </a:xfrm>
           <a:prstGeom prst="rect">
@@ -3566,7 +3868,7 @@
         </p:nvSpPr>
         <p:spPr>
           <a:xfrm>
-            <a:off x="6000393" y="5919073"/>
+            <a:off x="6000393" y="5684044"/>
             <a:ext cx="3878937" cy="235029"/>
           </a:xfrm>
           <a:prstGeom prst="rect">
@@ -3609,13 +3911,55 @@
       </p:sp>
       <p:sp>
         <p:nvSpPr>
-          <p:cNvPr id="10" name="Text 7"/>
-          <p:cNvSpPr/>
-          <p:nvPr/>
-        </p:nvSpPr>
-        <p:spPr>
-          <a:xfrm>
-            <a:off x="6000393" y="6286262"/>
+          <p:cNvPr id="12" name="Text 8"/>
+          <p:cNvSpPr/>
+          <p:nvPr/>
+        </p:nvSpPr>
+        <p:spPr>
+          <a:xfrm>
+            <a:off x="10245090" y="2683550"/>
+            <a:ext cx="1835825" cy="229433"/>
+          </a:xfrm>
+          <a:prstGeom prst="rect">
+            <a:avLst/>
+          </a:prstGeom>
+          <a:noFill/>
+          <a:ln/>
+        </p:spPr>
+        <p:txBody>
+          <a:bodyPr wrap="none" lIns="0" tIns="0" rIns="0" bIns="0" rtlCol="0" anchor="t"/>
+          <a:lstStyle/>
+          <a:p>
+            <a:pPr marL="0" indent="0" algn="l">
+              <a:lnSpc>
+                <a:spcPts val="1800"/>
+              </a:lnSpc>
+              <a:buNone/>
+            </a:pPr>
+            <a:r>
+              <a:rPr lang="en-US" sz="1400" b="1" dirty="0">
+                <a:solidFill>
+                  <a:srgbClr val="151617"/>
+                </a:solidFill>
+                <a:latin typeface="Montserrat Black" pitchFamily="34" charset="0"/>
+                <a:ea typeface="Montserrat Black" pitchFamily="34" charset="-122"/>
+                <a:cs typeface="Montserrat Black" pitchFamily="34" charset="-120"/>
+              </a:rPr>
+              <a:t>Python</a:t>
+            </a:r>
+            <a:endParaRPr lang="en-US" sz="1400" dirty="0"/>
+          </a:p>
+        </p:txBody>
+      </p:sp>
+      <p:sp>
+        <p:nvSpPr>
+          <p:cNvPr id="13" name="Text 9"/>
+          <p:cNvSpPr/>
+          <p:nvPr/>
+        </p:nvSpPr>
+        <p:spPr>
+          <a:xfrm>
+            <a:off x="10245090" y="3059787"/>
             <a:ext cx="3878937" cy="235029"/>
           </a:xfrm>
           <a:prstGeom prst="rect">
@@ -3643,18 +3987,7 @@
                 <a:ea typeface="Inconsolata" pitchFamily="34" charset="-122"/>
                 <a:cs typeface="Inconsolata" pitchFamily="34" charset="-120"/>
               </a:rPr>
-              <a:t>Video Demo: </a:t>
-            </a:r>
-            <a:r>
-              <a:rPr lang="en-US" sz="1150" b="1" dirty="0">
-                <a:solidFill>
-                  <a:srgbClr val="151617"/>
-                </a:solidFill>
-                <a:latin typeface="Inconsolata" pitchFamily="34" charset="0"/>
-                <a:ea typeface="Inconsolata" pitchFamily="34" charset="-122"/>
-                <a:cs typeface="Inconsolata" pitchFamily="34" charset="-120"/>
-              </a:rPr>
-              <a:t>[LINK DEL VIDEO AQUÍ]</a:t>
+              <a:t>(LangChain, Transformers)</a:t>
             </a:r>
             <a:endParaRPr lang="en-US" sz="1150" dirty="0"/>
           </a:p>
@@ -3662,13 +3995,13 @@
       </p:sp>
       <p:sp>
         <p:nvSpPr>
-          <p:cNvPr id="12" name="Text 8"/>
-          <p:cNvSpPr/>
-          <p:nvPr/>
-        </p:nvSpPr>
-        <p:spPr>
-          <a:xfrm>
-            <a:off x="10245090" y="2683550"/>
+          <p:cNvPr id="15" name="Text 10"/>
+          <p:cNvSpPr/>
+          <p:nvPr/>
+        </p:nvSpPr>
+        <p:spPr>
+          <a:xfrm>
+            <a:off x="10245090" y="4139089"/>
             <a:ext cx="1835825" cy="229433"/>
           </a:xfrm>
           <a:prstGeom prst="rect">
@@ -3696,7 +4029,7 @@
                 <a:ea typeface="Montserrat Black" pitchFamily="34" charset="-122"/>
                 <a:cs typeface="Montserrat Black" pitchFamily="34" charset="-120"/>
               </a:rPr>
-              <a:t>Python</a:t>
+              <a:t>ChromaDB</a:t>
             </a:r>
             <a:endParaRPr lang="en-US" sz="1400" dirty="0"/>
           </a:p>
@@ -3704,13 +4037,13 @@
       </p:sp>
       <p:sp>
         <p:nvSpPr>
-          <p:cNvPr id="13" name="Text 9"/>
-          <p:cNvSpPr/>
-          <p:nvPr/>
-        </p:nvSpPr>
-        <p:spPr>
-          <a:xfrm>
-            <a:off x="10245090" y="3059787"/>
+          <p:cNvPr id="16" name="Text 11"/>
+          <p:cNvSpPr/>
+          <p:nvPr/>
+        </p:nvSpPr>
+        <p:spPr>
+          <a:xfrm>
+            <a:off x="10245090" y="4515326"/>
             <a:ext cx="3878937" cy="235029"/>
           </a:xfrm>
           <a:prstGeom prst="rect">
@@ -3738,7 +4071,7 @@
                 <a:ea typeface="Inconsolata" pitchFamily="34" charset="-122"/>
                 <a:cs typeface="Inconsolata" pitchFamily="34" charset="-120"/>
               </a:rPr>
-              <a:t>(LangChain, Transformers)</a:t>
+              <a:t>(Vector Store)</a:t>
             </a:r>
             <a:endParaRPr lang="en-US" sz="1150" dirty="0"/>
           </a:p>
@@ -3746,13 +4079,13 @@
       </p:sp>
       <p:sp>
         <p:nvSpPr>
-          <p:cNvPr id="15" name="Text 10"/>
-          <p:cNvSpPr/>
-          <p:nvPr/>
-        </p:nvSpPr>
-        <p:spPr>
-          <a:xfrm>
-            <a:off x="10245090" y="4139089"/>
+          <p:cNvPr id="18" name="Text 12"/>
+          <p:cNvSpPr/>
+          <p:nvPr/>
+        </p:nvSpPr>
+        <p:spPr>
+          <a:xfrm>
+            <a:off x="10245090" y="5594628"/>
             <a:ext cx="1835825" cy="229433"/>
           </a:xfrm>
           <a:prstGeom prst="rect">
@@ -3780,91 +4113,7 @@
                 <a:ea typeface="Montserrat Black" pitchFamily="34" charset="-122"/>
                 <a:cs typeface="Montserrat Black" pitchFamily="34" charset="-120"/>
               </a:rPr>
-              <a:t>ChromaDB</a:t>
-            </a:r>
-            <a:endParaRPr lang="en-US" sz="1400" dirty="0"/>
-          </a:p>
-        </p:txBody>
-      </p:sp>
-      <p:sp>
-        <p:nvSpPr>
-          <p:cNvPr id="16" name="Text 11"/>
-          <p:cNvSpPr/>
-          <p:nvPr/>
-        </p:nvSpPr>
-        <p:spPr>
-          <a:xfrm>
-            <a:off x="10245090" y="4515326"/>
-            <a:ext cx="3878937" cy="235029"/>
-          </a:xfrm>
-          <a:prstGeom prst="rect">
-            <a:avLst/>
-          </a:prstGeom>
-          <a:noFill/>
-          <a:ln/>
-        </p:spPr>
-        <p:txBody>
-          <a:bodyPr wrap="none" lIns="0" tIns="0" rIns="0" bIns="0" rtlCol="0" anchor="t"/>
-          <a:lstStyle/>
-          <a:p>
-            <a:pPr marL="0" indent="0" algn="l">
-              <a:lnSpc>
-                <a:spcPts val="1850"/>
-              </a:lnSpc>
-              <a:buNone/>
-            </a:pPr>
-            <a:r>
-              <a:rPr lang="en-US" sz="1150" dirty="0">
-                <a:solidFill>
-                  <a:srgbClr val="151617"/>
-                </a:solidFill>
-                <a:latin typeface="Inconsolata" pitchFamily="34" charset="0"/>
-                <a:ea typeface="Inconsolata" pitchFamily="34" charset="-122"/>
-                <a:cs typeface="Inconsolata" pitchFamily="34" charset="-120"/>
-              </a:rPr>
-              <a:t>(Vector Store)</a:t>
-            </a:r>
-            <a:endParaRPr lang="en-US" sz="1150" dirty="0"/>
-          </a:p>
-        </p:txBody>
-      </p:sp>
-      <p:sp>
-        <p:nvSpPr>
-          <p:cNvPr id="18" name="Text 12"/>
-          <p:cNvSpPr/>
-          <p:nvPr/>
-        </p:nvSpPr>
-        <p:spPr>
-          <a:xfrm>
-            <a:off x="10245090" y="5594628"/>
-            <a:ext cx="1835825" cy="229433"/>
-          </a:xfrm>
-          <a:prstGeom prst="rect">
-            <a:avLst/>
-          </a:prstGeom>
-          <a:noFill/>
-          <a:ln/>
-        </p:spPr>
-        <p:txBody>
-          <a:bodyPr wrap="none" lIns="0" tIns="0" rIns="0" bIns="0" rtlCol="0" anchor="t"/>
-          <a:lstStyle/>
-          <a:p>
-            <a:pPr marL="0" indent="0" algn="l">
-              <a:lnSpc>
-                <a:spcPts val="1800"/>
-              </a:lnSpc>
-              <a:buNone/>
-            </a:pPr>
-            <a:r>
-              <a:rPr lang="en-US" sz="1400" b="1" dirty="0">
-                <a:solidFill>
-                  <a:srgbClr val="151617"/>
-                </a:solidFill>
-                <a:latin typeface="Montserrat Black" pitchFamily="34" charset="0"/>
-                <a:ea typeface="Montserrat Black" pitchFamily="34" charset="-122"/>
-                <a:cs typeface="Montserrat Black" pitchFamily="34" charset="-120"/>
-              </a:rPr>
-              <a:t>Flan-T5-base</a:t>
+              <a:t>Flan-T5-base + MiniLM-L6-v2</a:t>
             </a:r>
             <a:endParaRPr lang="en-US" sz="1400" dirty="0"/>
           </a:p>
@@ -4291,6 +4540,119 @@
           <a:prstGeom prst="rect">
             <a:avLst/>
           </a:prstGeom>
+        </p:spPr>
+      </p:pic>
+      <p:sp>
+        <p:nvSpPr>
+          <p:cNvPr id="2" name="Google Shape;113;p6">
+            <a:extLst>
+              <a:ext uri="{FF2B5EF4-FFF2-40B4-BE49-F238E27FC236}">
+                <a16:creationId xmlns:a16="http://schemas.microsoft.com/office/drawing/2014/main" id="{4D732393-499D-2147-3F36-A03B6EA3D6D2}"/>
+              </a:ext>
+            </a:extLst>
+          </p:cNvPr>
+          <p:cNvSpPr/>
+          <p:nvPr/>
+        </p:nvSpPr>
+        <p:spPr>
+          <a:xfrm>
+            <a:off x="6280190" y="4851683"/>
+            <a:ext cx="2160908" cy="235500"/>
+          </a:xfrm>
+          <a:prstGeom prst="rect">
+            <a:avLst/>
+          </a:prstGeom>
+          <a:noFill/>
+          <a:ln>
+            <a:noFill/>
+          </a:ln>
+        </p:spPr>
+        <p:txBody>
+          <a:bodyPr spcFirstLastPara="1" wrap="square" lIns="0" tIns="0" rIns="0" bIns="0" anchor="t" anchorCtr="0">
+            <a:noAutofit/>
+          </a:bodyPr>
+          <a:lstStyle/>
+          <a:p>
+            <a:pPr marL="0" marR="0" lvl="0" indent="0" algn="l" rtl="0">
+              <a:lnSpc>
+                <a:spcPct val="115625"/>
+              </a:lnSpc>
+              <a:spcBef>
+                <a:spcPts val="0"/>
+              </a:spcBef>
+              <a:spcAft>
+                <a:spcPts val="0"/>
+              </a:spcAft>
+              <a:buClr>
+                <a:srgbClr val="EEAEF6"/>
+              </a:buClr>
+              <a:buSzPts val="1600"/>
+              <a:buFont typeface="Montserrat"/>
+              <a:buNone/>
+            </a:pPr>
+            <a:r>
+              <a:rPr lang="en-US" sz="1600" u="sng" dirty="0">
+                <a:solidFill>
+                  <a:schemeClr val="hlink"/>
+                </a:solidFill>
+                <a:latin typeface="Montserrat"/>
+                <a:ea typeface="Montserrat"/>
+                <a:cs typeface="Montserrat"/>
+                <a:sym typeface="Montserrat"/>
+                <a:hlinkClick r:id="rId4"/>
+              </a:rPr>
+              <a:t>Ver Video Demo</a:t>
+            </a:r>
+            <a:endParaRPr sz="1600" dirty="0">
+              <a:solidFill>
+                <a:schemeClr val="dk1"/>
+              </a:solidFill>
+              <a:latin typeface="Calibri"/>
+              <a:ea typeface="Calibri"/>
+              <a:cs typeface="Calibri"/>
+              <a:sym typeface="Calibri"/>
+            </a:endParaRPr>
+          </a:p>
+        </p:txBody>
+      </p:sp>
+      <p:pic>
+        <p:nvPicPr>
+          <p:cNvPr id="9" name="Imagen 8">
+            <a:extLst>
+              <a:ext uri="{FF2B5EF4-FFF2-40B4-BE49-F238E27FC236}">
+                <a16:creationId xmlns:a16="http://schemas.microsoft.com/office/drawing/2014/main" id="{1404CC0E-30E2-DE4E-1C52-FE7E6F76DF27}"/>
+              </a:ext>
+            </a:extLst>
+          </p:cNvPr>
+          <p:cNvPicPr>
+            <a:picLocks noChangeAspect="1"/>
+          </p:cNvPicPr>
+          <p:nvPr/>
+        </p:nvPicPr>
+        <p:blipFill>
+          <a:blip r:embed="rId5"/>
+          <a:stretch>
+            <a:fillRect/>
+          </a:stretch>
+        </p:blipFill>
+        <p:spPr>
+          <a:xfrm>
+            <a:off x="7543688" y="5187721"/>
+            <a:ext cx="5029422" cy="2808794"/>
+          </a:xfrm>
+          <a:prstGeom prst="rect">
+            <a:avLst/>
+          </a:prstGeom>
+          <a:ln>
+            <a:noFill/>
+          </a:ln>
+          <a:effectLst>
+            <a:outerShdw blurRad="292100" dist="139700" dir="2700000" algn="tl" rotWithShape="0">
+              <a:srgbClr val="333333">
+                <a:alpha val="65000"/>
+              </a:srgbClr>
+            </a:outerShdw>
+          </a:effectLst>
         </p:spPr>
       </p:pic>
     </p:spTree>
